--- a/subgroups/sbom-sg/meetings/20230117/UsageProfile-Update-20230117.pptx
+++ b/subgroups/sbom-sg/meetings/20230117/UsageProfile-Update-20230117.pptx
@@ -4152,23 +4152,15 @@
           <a:lstStyle/>
           <a:p>
             <a:r>
-              <a:rPr kumimoji="1" lang="en-US" altLang="ja-JP" dirty="0"/>
-              <a:t>SBOM sg </a:t>
-            </a:r>
-            <a:r>
-              <a:rPr kumimoji="1" lang="en-US" altLang="ja-JP" dirty="0" err="1"/>
-              <a:t>adhoc</a:t>
-            </a:r>
-            <a:r>
-              <a:rPr kumimoji="1" lang="en-US" altLang="ja-JP" dirty="0"/>
-              <a:t> mtg</a:t>
+              <a:rPr kumimoji="1" lang="en-US" altLang="ja-JP"/>
+              <a:t>SBOM sg</a:t>
             </a:r>
             <a:br>
               <a:rPr kumimoji="1" lang="en-US" altLang="ja-JP" dirty="0"/>
             </a:br>
             <a:r>
               <a:rPr kumimoji="1" lang="en-US" altLang="ja-JP" dirty="0"/>
-              <a:t>2023/01/06</a:t>
+              <a:t>2023/01/17</a:t>
             </a:r>
             <a:endParaRPr kumimoji="1" lang="ja-JP" altLang="en-US" dirty="0"/>
           </a:p>
